--- a/ProyectoDemo/Prototipos.pptx
+++ b/ProyectoDemo/Prototipos.pptx
@@ -7,10 +7,11 @@
   <p:sldIdLst>
     <p:sldId id="256" r:id="rId2"/>
     <p:sldId id="258" r:id="rId3"/>
-    <p:sldId id="261" r:id="rId4"/>
-    <p:sldId id="259" r:id="rId5"/>
-    <p:sldId id="260" r:id="rId6"/>
-    <p:sldId id="257" r:id="rId7"/>
+    <p:sldId id="262" r:id="rId4"/>
+    <p:sldId id="261" r:id="rId5"/>
+    <p:sldId id="259" r:id="rId6"/>
+    <p:sldId id="260" r:id="rId7"/>
+    <p:sldId id="257" r:id="rId8"/>
   </p:sldIdLst>
   <p:sldSz cx="12192000" cy="6858000"/>
   <p:notesSz cx="6858000" cy="9144000"/>
@@ -266,7 +267,7 @@
           <a:p>
             <a:fld id="{59479DF8-B0D2-410D-BE61-5137DF0C497D}" type="datetimeFigureOut">
               <a:rPr lang="es-PE" smtClean="0"/>
-              <a:t>19/05/2022</a:t>
+              <a:t>26/05/2022</a:t>
             </a:fld>
             <a:endParaRPr lang="es-PE"/>
           </a:p>
@@ -466,7 +467,7 @@
           <a:p>
             <a:fld id="{59479DF8-B0D2-410D-BE61-5137DF0C497D}" type="datetimeFigureOut">
               <a:rPr lang="es-PE" smtClean="0"/>
-              <a:t>19/05/2022</a:t>
+              <a:t>26/05/2022</a:t>
             </a:fld>
             <a:endParaRPr lang="es-PE"/>
           </a:p>
@@ -676,7 +677,7 @@
           <a:p>
             <a:fld id="{59479DF8-B0D2-410D-BE61-5137DF0C497D}" type="datetimeFigureOut">
               <a:rPr lang="es-PE" smtClean="0"/>
-              <a:t>19/05/2022</a:t>
+              <a:t>26/05/2022</a:t>
             </a:fld>
             <a:endParaRPr lang="es-PE"/>
           </a:p>
@@ -876,7 +877,7 @@
           <a:p>
             <a:fld id="{59479DF8-B0D2-410D-BE61-5137DF0C497D}" type="datetimeFigureOut">
               <a:rPr lang="es-PE" smtClean="0"/>
-              <a:t>19/05/2022</a:t>
+              <a:t>26/05/2022</a:t>
             </a:fld>
             <a:endParaRPr lang="es-PE"/>
           </a:p>
@@ -1152,7 +1153,7 @@
           <a:p>
             <a:fld id="{59479DF8-B0D2-410D-BE61-5137DF0C497D}" type="datetimeFigureOut">
               <a:rPr lang="es-PE" smtClean="0"/>
-              <a:t>19/05/2022</a:t>
+              <a:t>26/05/2022</a:t>
             </a:fld>
             <a:endParaRPr lang="es-PE"/>
           </a:p>
@@ -1420,7 +1421,7 @@
           <a:p>
             <a:fld id="{59479DF8-B0D2-410D-BE61-5137DF0C497D}" type="datetimeFigureOut">
               <a:rPr lang="es-PE" smtClean="0"/>
-              <a:t>19/05/2022</a:t>
+              <a:t>26/05/2022</a:t>
             </a:fld>
             <a:endParaRPr lang="es-PE"/>
           </a:p>
@@ -1835,7 +1836,7 @@
           <a:p>
             <a:fld id="{59479DF8-B0D2-410D-BE61-5137DF0C497D}" type="datetimeFigureOut">
               <a:rPr lang="es-PE" smtClean="0"/>
-              <a:t>19/05/2022</a:t>
+              <a:t>26/05/2022</a:t>
             </a:fld>
             <a:endParaRPr lang="es-PE"/>
           </a:p>
@@ -1977,7 +1978,7 @@
           <a:p>
             <a:fld id="{59479DF8-B0D2-410D-BE61-5137DF0C497D}" type="datetimeFigureOut">
               <a:rPr lang="es-PE" smtClean="0"/>
-              <a:t>19/05/2022</a:t>
+              <a:t>26/05/2022</a:t>
             </a:fld>
             <a:endParaRPr lang="es-PE"/>
           </a:p>
@@ -2090,7 +2091,7 @@
           <a:p>
             <a:fld id="{59479DF8-B0D2-410D-BE61-5137DF0C497D}" type="datetimeFigureOut">
               <a:rPr lang="es-PE" smtClean="0"/>
-              <a:t>19/05/2022</a:t>
+              <a:t>26/05/2022</a:t>
             </a:fld>
             <a:endParaRPr lang="es-PE"/>
           </a:p>
@@ -2403,7 +2404,7 @@
           <a:p>
             <a:fld id="{59479DF8-B0D2-410D-BE61-5137DF0C497D}" type="datetimeFigureOut">
               <a:rPr lang="es-PE" smtClean="0"/>
-              <a:t>19/05/2022</a:t>
+              <a:t>26/05/2022</a:t>
             </a:fld>
             <a:endParaRPr lang="es-PE"/>
           </a:p>
@@ -2692,7 +2693,7 @@
           <a:p>
             <a:fld id="{59479DF8-B0D2-410D-BE61-5137DF0C497D}" type="datetimeFigureOut">
               <a:rPr lang="es-PE" smtClean="0"/>
-              <a:t>19/05/2022</a:t>
+              <a:t>26/05/2022</a:t>
             </a:fld>
             <a:endParaRPr lang="es-PE"/>
           </a:p>
@@ -2935,7 +2936,7 @@
           <a:p>
             <a:fld id="{59479DF8-B0D2-410D-BE61-5137DF0C497D}" type="datetimeFigureOut">
               <a:rPr lang="es-PE" smtClean="0"/>
-              <a:t>19/05/2022</a:t>
+              <a:t>26/05/2022</a:t>
             </a:fld>
             <a:endParaRPr lang="es-PE"/>
           </a:p>
@@ -4461,6 +4462,1150 @@
                 <a:latin typeface="Arial" panose="020B0604020202020204" pitchFamily="34" charset="0"/>
                 <a:cs typeface="Arial" panose="020B0604020202020204" pitchFamily="34" charset="0"/>
               </a:rPr>
+              <a:t>REGISTRAR NUEVA RUTA</a:t>
+            </a:r>
+            <a:endParaRPr lang="es-PE" sz="3200" b="1" dirty="0">
+              <a:latin typeface="Arial" panose="020B0604020202020204" pitchFamily="34" charset="0"/>
+              <a:cs typeface="Arial" panose="020B0604020202020204" pitchFamily="34" charset="0"/>
+            </a:endParaRPr>
+          </a:p>
+        </p:txBody>
+      </p:sp>
+      <p:sp>
+        <p:nvSpPr>
+          <p:cNvPr id="5" name="CuadroTexto 4">
+            <a:extLst>
+              <a:ext uri="{FF2B5EF4-FFF2-40B4-BE49-F238E27FC236}">
+                <a16:creationId xmlns:a16="http://schemas.microsoft.com/office/drawing/2014/main" id="{9AB3938E-BF97-42E8-9BD3-90BFC96C85F6}"/>
+              </a:ext>
+            </a:extLst>
+          </p:cNvPr>
+          <p:cNvSpPr txBox="1"/>
+          <p:nvPr/>
+        </p:nvSpPr>
+        <p:spPr>
+          <a:xfrm>
+            <a:off x="692184" y="1543726"/>
+            <a:ext cx="2938462" cy="523220"/>
+          </a:xfrm>
+          <a:prstGeom prst="rect">
+            <a:avLst/>
+          </a:prstGeom>
+          <a:noFill/>
+        </p:spPr>
+        <p:txBody>
+          <a:bodyPr wrap="square" rtlCol="0">
+            <a:spAutoFit/>
+          </a:bodyPr>
+          <a:lstStyle/>
+          <a:p>
+            <a:r>
+              <a:rPr lang="es-MX" sz="2800" dirty="0">
+                <a:solidFill>
+                  <a:schemeClr val="tx1">
+                    <a:lumMod val="65000"/>
+                    <a:lumOff val="35000"/>
+                  </a:schemeClr>
+                </a:solidFill>
+              </a:rPr>
+              <a:t>Ciudad origen</a:t>
+            </a:r>
+            <a:endParaRPr lang="es-PE" sz="2800" dirty="0">
+              <a:solidFill>
+                <a:schemeClr val="tx1">
+                  <a:lumMod val="65000"/>
+                  <a:lumOff val="35000"/>
+                </a:schemeClr>
+              </a:solidFill>
+            </a:endParaRPr>
+          </a:p>
+        </p:txBody>
+      </p:sp>
+      <p:sp>
+        <p:nvSpPr>
+          <p:cNvPr id="6" name="CuadroTexto 5">
+            <a:extLst>
+              <a:ext uri="{FF2B5EF4-FFF2-40B4-BE49-F238E27FC236}">
+                <a16:creationId xmlns:a16="http://schemas.microsoft.com/office/drawing/2014/main" id="{DBDE8564-D6DD-4BE5-8B14-47B2305007B0}"/>
+              </a:ext>
+            </a:extLst>
+          </p:cNvPr>
+          <p:cNvSpPr txBox="1"/>
+          <p:nvPr/>
+        </p:nvSpPr>
+        <p:spPr>
+          <a:xfrm>
+            <a:off x="3806137" y="1543726"/>
+            <a:ext cx="7416043" cy="461665"/>
+          </a:xfrm>
+          <a:prstGeom prst="rect">
+            <a:avLst/>
+          </a:prstGeom>
+          <a:solidFill>
+            <a:srgbClr val="F7F7F7"/>
+          </a:solidFill>
+          <a:ln>
+            <a:solidFill>
+              <a:schemeClr val="tx2"/>
+            </a:solidFill>
+          </a:ln>
+        </p:spPr>
+        <p:txBody>
+          <a:bodyPr wrap="square" rtlCol="0">
+            <a:spAutoFit/>
+          </a:bodyPr>
+          <a:lstStyle/>
+          <a:p>
+            <a:r>
+              <a:rPr lang="es-MX" sz="2400" dirty="0">
+                <a:solidFill>
+                  <a:schemeClr val="bg2">
+                    <a:lumMod val="50000"/>
+                  </a:schemeClr>
+                </a:solidFill>
+                <a:latin typeface="Arial" panose="020B0604020202020204" pitchFamily="34" charset="0"/>
+                <a:cs typeface="Arial" panose="020B0604020202020204" pitchFamily="34" charset="0"/>
+              </a:rPr>
+              <a:t>LIMA PLAZA NORTE</a:t>
+            </a:r>
+            <a:endParaRPr lang="es-PE" sz="2400" dirty="0">
+              <a:solidFill>
+                <a:schemeClr val="bg2">
+                  <a:lumMod val="50000"/>
+                </a:schemeClr>
+              </a:solidFill>
+              <a:latin typeface="Arial" panose="020B0604020202020204" pitchFamily="34" charset="0"/>
+              <a:cs typeface="Arial" panose="020B0604020202020204" pitchFamily="34" charset="0"/>
+            </a:endParaRPr>
+          </a:p>
+        </p:txBody>
+      </p:sp>
+      <p:sp>
+        <p:nvSpPr>
+          <p:cNvPr id="7" name="CuadroTexto 6">
+            <a:extLst>
+              <a:ext uri="{FF2B5EF4-FFF2-40B4-BE49-F238E27FC236}">
+                <a16:creationId xmlns:a16="http://schemas.microsoft.com/office/drawing/2014/main" id="{231AF367-1616-4B80-8151-48696B4A3020}"/>
+              </a:ext>
+            </a:extLst>
+          </p:cNvPr>
+          <p:cNvSpPr txBox="1"/>
+          <p:nvPr/>
+        </p:nvSpPr>
+        <p:spPr>
+          <a:xfrm>
+            <a:off x="692183" y="2140622"/>
+            <a:ext cx="2967363" cy="523220"/>
+          </a:xfrm>
+          <a:prstGeom prst="rect">
+            <a:avLst/>
+          </a:prstGeom>
+          <a:noFill/>
+        </p:spPr>
+        <p:txBody>
+          <a:bodyPr wrap="square" rtlCol="0">
+            <a:spAutoFit/>
+          </a:bodyPr>
+          <a:lstStyle/>
+          <a:p>
+            <a:r>
+              <a:rPr lang="es-MX" sz="2800" dirty="0">
+                <a:solidFill>
+                  <a:schemeClr val="tx1">
+                    <a:lumMod val="65000"/>
+                    <a:lumOff val="35000"/>
+                  </a:schemeClr>
+                </a:solidFill>
+              </a:rPr>
+              <a:t>Ciudad destino</a:t>
+            </a:r>
+            <a:endParaRPr lang="es-PE" sz="2800" dirty="0">
+              <a:solidFill>
+                <a:schemeClr val="tx1">
+                  <a:lumMod val="65000"/>
+                  <a:lumOff val="35000"/>
+                </a:schemeClr>
+              </a:solidFill>
+            </a:endParaRPr>
+          </a:p>
+        </p:txBody>
+      </p:sp>
+      <p:sp>
+        <p:nvSpPr>
+          <p:cNvPr id="8" name="CuadroTexto 7">
+            <a:extLst>
+              <a:ext uri="{FF2B5EF4-FFF2-40B4-BE49-F238E27FC236}">
+                <a16:creationId xmlns:a16="http://schemas.microsoft.com/office/drawing/2014/main" id="{5DEA0BE2-2E87-4043-B620-6C7004D016DB}"/>
+              </a:ext>
+            </a:extLst>
+          </p:cNvPr>
+          <p:cNvSpPr txBox="1"/>
+          <p:nvPr/>
+        </p:nvSpPr>
+        <p:spPr>
+          <a:xfrm>
+            <a:off x="3806137" y="2140622"/>
+            <a:ext cx="7416042" cy="461665"/>
+          </a:xfrm>
+          <a:prstGeom prst="rect">
+            <a:avLst/>
+          </a:prstGeom>
+          <a:solidFill>
+            <a:srgbClr val="F7F7F7"/>
+          </a:solidFill>
+          <a:ln>
+            <a:solidFill>
+              <a:schemeClr val="tx2"/>
+            </a:solidFill>
+          </a:ln>
+        </p:spPr>
+        <p:txBody>
+          <a:bodyPr wrap="square" rtlCol="0">
+            <a:spAutoFit/>
+          </a:bodyPr>
+          <a:lstStyle/>
+          <a:p>
+            <a:r>
+              <a:rPr lang="es-MX" sz="2400" dirty="0">
+                <a:solidFill>
+                  <a:schemeClr val="bg2">
+                    <a:lumMod val="50000"/>
+                  </a:schemeClr>
+                </a:solidFill>
+                <a:latin typeface="Arial" panose="020B0604020202020204" pitchFamily="34" charset="0"/>
+                <a:cs typeface="Arial" panose="020B0604020202020204" pitchFamily="34" charset="0"/>
+              </a:rPr>
+              <a:t>CHICLAYO</a:t>
+            </a:r>
+            <a:endParaRPr lang="es-PE" sz="2400" dirty="0">
+              <a:solidFill>
+                <a:schemeClr val="bg2">
+                  <a:lumMod val="50000"/>
+                </a:schemeClr>
+              </a:solidFill>
+              <a:latin typeface="Arial" panose="020B0604020202020204" pitchFamily="34" charset="0"/>
+              <a:cs typeface="Arial" panose="020B0604020202020204" pitchFamily="34" charset="0"/>
+            </a:endParaRPr>
+          </a:p>
+        </p:txBody>
+      </p:sp>
+      <p:grpSp>
+        <p:nvGrpSpPr>
+          <p:cNvPr id="10" name="Grupo 9">
+            <a:extLst>
+              <a:ext uri="{FF2B5EF4-FFF2-40B4-BE49-F238E27FC236}">
+                <a16:creationId xmlns:a16="http://schemas.microsoft.com/office/drawing/2014/main" id="{B0B076E1-4EE5-4740-B9F4-0630270BF7F3}"/>
+              </a:ext>
+            </a:extLst>
+          </p:cNvPr>
+          <p:cNvGrpSpPr/>
+          <p:nvPr/>
+        </p:nvGrpSpPr>
+        <p:grpSpPr>
+          <a:xfrm>
+            <a:off x="2087526" y="5593476"/>
+            <a:ext cx="8146258" cy="1044000"/>
+            <a:chOff x="2628899" y="5048250"/>
+            <a:chExt cx="8146258" cy="1044000"/>
+          </a:xfrm>
+        </p:grpSpPr>
+        <p:sp>
+          <p:nvSpPr>
+            <p:cNvPr id="9" name="Rectángulo: esquinas redondeadas 8">
+              <a:extLst>
+                <a:ext uri="{FF2B5EF4-FFF2-40B4-BE49-F238E27FC236}">
+                  <a16:creationId xmlns:a16="http://schemas.microsoft.com/office/drawing/2014/main" id="{F0ADFD40-44B4-4A74-87A1-799FD7BA5C24}"/>
+                </a:ext>
+              </a:extLst>
+            </p:cNvPr>
+            <p:cNvSpPr/>
+            <p:nvPr/>
+          </p:nvSpPr>
+          <p:spPr>
+            <a:xfrm>
+              <a:off x="2628899" y="5048250"/>
+              <a:ext cx="3876675" cy="1044000"/>
+            </a:xfrm>
+            <a:prstGeom prst="roundRect">
+              <a:avLst/>
+            </a:prstGeom>
+          </p:spPr>
+          <p:style>
+            <a:lnRef idx="2">
+              <a:schemeClr val="accent1">
+                <a:shade val="50000"/>
+              </a:schemeClr>
+            </a:lnRef>
+            <a:fillRef idx="1">
+              <a:schemeClr val="accent1"/>
+            </a:fillRef>
+            <a:effectRef idx="0">
+              <a:schemeClr val="accent1"/>
+            </a:effectRef>
+            <a:fontRef idx="minor">
+              <a:schemeClr val="lt1"/>
+            </a:fontRef>
+          </p:style>
+          <p:txBody>
+            <a:bodyPr rtlCol="0" anchor="ctr"/>
+            <a:lstStyle/>
+            <a:p>
+              <a:pPr algn="ctr"/>
+              <a:r>
+                <a:rPr lang="es-MX" sz="4400" b="1" dirty="0"/>
+                <a:t>Registrar</a:t>
+              </a:r>
+              <a:endParaRPr lang="es-PE" sz="4400" b="1" dirty="0"/>
+            </a:p>
+          </p:txBody>
+        </p:sp>
+        <p:sp>
+          <p:nvSpPr>
+            <p:cNvPr id="12" name="Rectángulo: esquinas redondeadas 11">
+              <a:extLst>
+                <a:ext uri="{FF2B5EF4-FFF2-40B4-BE49-F238E27FC236}">
+                  <a16:creationId xmlns:a16="http://schemas.microsoft.com/office/drawing/2014/main" id="{231FEC77-5F70-49F0-86BC-F1C50F667B43}"/>
+                </a:ext>
+              </a:extLst>
+            </p:cNvPr>
+            <p:cNvSpPr/>
+            <p:nvPr/>
+          </p:nvSpPr>
+          <p:spPr>
+            <a:xfrm>
+              <a:off x="6898482" y="5048250"/>
+              <a:ext cx="3876675" cy="1044000"/>
+            </a:xfrm>
+            <a:prstGeom prst="roundRect">
+              <a:avLst/>
+            </a:prstGeom>
+            <a:solidFill>
+              <a:schemeClr val="tx1">
+                <a:lumMod val="50000"/>
+                <a:lumOff val="50000"/>
+              </a:schemeClr>
+            </a:solidFill>
+          </p:spPr>
+          <p:style>
+            <a:lnRef idx="2">
+              <a:schemeClr val="accent1">
+                <a:shade val="50000"/>
+              </a:schemeClr>
+            </a:lnRef>
+            <a:fillRef idx="1">
+              <a:schemeClr val="accent1"/>
+            </a:fillRef>
+            <a:effectRef idx="0">
+              <a:schemeClr val="accent1"/>
+            </a:effectRef>
+            <a:fontRef idx="minor">
+              <a:schemeClr val="lt1"/>
+            </a:fontRef>
+          </p:style>
+          <p:txBody>
+            <a:bodyPr rtlCol="0" anchor="ctr"/>
+            <a:lstStyle/>
+            <a:p>
+              <a:pPr algn="ctr"/>
+              <a:r>
+                <a:rPr lang="es-MX" sz="4400" b="1" dirty="0"/>
+                <a:t>Cancelar</a:t>
+              </a:r>
+              <a:endParaRPr lang="es-PE" sz="4400" b="1" dirty="0"/>
+            </a:p>
+          </p:txBody>
+        </p:sp>
+      </p:grpSp>
+      <p:sp>
+        <p:nvSpPr>
+          <p:cNvPr id="11" name="CuadroTexto 10">
+            <a:extLst>
+              <a:ext uri="{FF2B5EF4-FFF2-40B4-BE49-F238E27FC236}">
+                <a16:creationId xmlns:a16="http://schemas.microsoft.com/office/drawing/2014/main" id="{D36C204D-F396-4E57-80DD-32AFA7A5D88B}"/>
+              </a:ext>
+            </a:extLst>
+          </p:cNvPr>
+          <p:cNvSpPr txBox="1"/>
+          <p:nvPr/>
+        </p:nvSpPr>
+        <p:spPr>
+          <a:xfrm>
+            <a:off x="692183" y="2731116"/>
+            <a:ext cx="2967363" cy="523220"/>
+          </a:xfrm>
+          <a:prstGeom prst="rect">
+            <a:avLst/>
+          </a:prstGeom>
+          <a:noFill/>
+        </p:spPr>
+        <p:txBody>
+          <a:bodyPr wrap="square" rtlCol="0">
+            <a:spAutoFit/>
+          </a:bodyPr>
+          <a:lstStyle/>
+          <a:p>
+            <a:r>
+              <a:rPr lang="es-MX" sz="2800" dirty="0">
+                <a:solidFill>
+                  <a:schemeClr val="tx1">
+                    <a:lumMod val="65000"/>
+                    <a:lumOff val="35000"/>
+                  </a:schemeClr>
+                </a:solidFill>
+              </a:rPr>
+              <a:t>Precio 1</a:t>
+            </a:r>
+            <a:endParaRPr lang="es-PE" sz="2800" dirty="0">
+              <a:solidFill>
+                <a:schemeClr val="tx1">
+                  <a:lumMod val="65000"/>
+                  <a:lumOff val="35000"/>
+                </a:schemeClr>
+              </a:solidFill>
+            </a:endParaRPr>
+          </a:p>
+        </p:txBody>
+      </p:sp>
+      <p:sp>
+        <p:nvSpPr>
+          <p:cNvPr id="13" name="CuadroTexto 12">
+            <a:extLst>
+              <a:ext uri="{FF2B5EF4-FFF2-40B4-BE49-F238E27FC236}">
+                <a16:creationId xmlns:a16="http://schemas.microsoft.com/office/drawing/2014/main" id="{6DCC8C72-DF17-4299-AEF2-0C836F07F214}"/>
+              </a:ext>
+            </a:extLst>
+          </p:cNvPr>
+          <p:cNvSpPr txBox="1"/>
+          <p:nvPr/>
+        </p:nvSpPr>
+        <p:spPr>
+          <a:xfrm>
+            <a:off x="3806137" y="2731116"/>
+            <a:ext cx="7416042" cy="461665"/>
+          </a:xfrm>
+          <a:prstGeom prst="rect">
+            <a:avLst/>
+          </a:prstGeom>
+          <a:solidFill>
+            <a:srgbClr val="F7F7F7"/>
+          </a:solidFill>
+          <a:ln>
+            <a:solidFill>
+              <a:schemeClr val="tx2"/>
+            </a:solidFill>
+          </a:ln>
+        </p:spPr>
+        <p:txBody>
+          <a:bodyPr wrap="square" rtlCol="0">
+            <a:spAutoFit/>
+          </a:bodyPr>
+          <a:lstStyle/>
+          <a:p>
+            <a:r>
+              <a:rPr lang="es-MX" sz="2400" dirty="0">
+                <a:solidFill>
+                  <a:schemeClr val="bg2">
+                    <a:lumMod val="50000"/>
+                  </a:schemeClr>
+                </a:solidFill>
+                <a:latin typeface="Arial" panose="020B0604020202020204" pitchFamily="34" charset="0"/>
+                <a:cs typeface="Arial" panose="020B0604020202020204" pitchFamily="34" charset="0"/>
+              </a:rPr>
+              <a:t>120</a:t>
+            </a:r>
+            <a:endParaRPr lang="es-PE" sz="2400" dirty="0">
+              <a:solidFill>
+                <a:schemeClr val="bg2">
+                  <a:lumMod val="50000"/>
+                </a:schemeClr>
+              </a:solidFill>
+              <a:latin typeface="Arial" panose="020B0604020202020204" pitchFamily="34" charset="0"/>
+              <a:cs typeface="Arial" panose="020B0604020202020204" pitchFamily="34" charset="0"/>
+            </a:endParaRPr>
+          </a:p>
+        </p:txBody>
+      </p:sp>
+      <p:sp>
+        <p:nvSpPr>
+          <p:cNvPr id="14" name="CuadroTexto 13">
+            <a:extLst>
+              <a:ext uri="{FF2B5EF4-FFF2-40B4-BE49-F238E27FC236}">
+                <a16:creationId xmlns:a16="http://schemas.microsoft.com/office/drawing/2014/main" id="{D8D7025A-B374-4891-84D3-7698BAF4A0EE}"/>
+              </a:ext>
+            </a:extLst>
+          </p:cNvPr>
+          <p:cNvSpPr txBox="1"/>
+          <p:nvPr/>
+        </p:nvSpPr>
+        <p:spPr>
+          <a:xfrm>
+            <a:off x="692183" y="3367793"/>
+            <a:ext cx="2967363" cy="523220"/>
+          </a:xfrm>
+          <a:prstGeom prst="rect">
+            <a:avLst/>
+          </a:prstGeom>
+          <a:noFill/>
+        </p:spPr>
+        <p:txBody>
+          <a:bodyPr wrap="square" rtlCol="0">
+            <a:spAutoFit/>
+          </a:bodyPr>
+          <a:lstStyle/>
+          <a:p>
+            <a:r>
+              <a:rPr lang="es-MX" sz="2800" dirty="0">
+                <a:solidFill>
+                  <a:schemeClr val="tx1">
+                    <a:lumMod val="65000"/>
+                    <a:lumOff val="35000"/>
+                  </a:schemeClr>
+                </a:solidFill>
+              </a:rPr>
+              <a:t>Precio 2</a:t>
+            </a:r>
+            <a:endParaRPr lang="es-PE" sz="2800" dirty="0">
+              <a:solidFill>
+                <a:schemeClr val="tx1">
+                  <a:lumMod val="65000"/>
+                  <a:lumOff val="35000"/>
+                </a:schemeClr>
+              </a:solidFill>
+            </a:endParaRPr>
+          </a:p>
+        </p:txBody>
+      </p:sp>
+      <p:sp>
+        <p:nvSpPr>
+          <p:cNvPr id="15" name="CuadroTexto 14">
+            <a:extLst>
+              <a:ext uri="{FF2B5EF4-FFF2-40B4-BE49-F238E27FC236}">
+                <a16:creationId xmlns:a16="http://schemas.microsoft.com/office/drawing/2014/main" id="{FC6CA7BA-C953-43E4-B3BC-7EDBAE4BD4BE}"/>
+              </a:ext>
+            </a:extLst>
+          </p:cNvPr>
+          <p:cNvSpPr txBox="1"/>
+          <p:nvPr/>
+        </p:nvSpPr>
+        <p:spPr>
+          <a:xfrm>
+            <a:off x="3806137" y="3367793"/>
+            <a:ext cx="7416042" cy="461665"/>
+          </a:xfrm>
+          <a:prstGeom prst="rect">
+            <a:avLst/>
+          </a:prstGeom>
+          <a:solidFill>
+            <a:srgbClr val="F7F7F7"/>
+          </a:solidFill>
+          <a:ln>
+            <a:solidFill>
+              <a:schemeClr val="tx2"/>
+            </a:solidFill>
+          </a:ln>
+        </p:spPr>
+        <p:txBody>
+          <a:bodyPr wrap="square" rtlCol="0">
+            <a:spAutoFit/>
+          </a:bodyPr>
+          <a:lstStyle/>
+          <a:p>
+            <a:r>
+              <a:rPr lang="es-MX" sz="2400" dirty="0">
+                <a:solidFill>
+                  <a:schemeClr val="tx2">
+                    <a:lumMod val="75000"/>
+                  </a:schemeClr>
+                </a:solidFill>
+                <a:latin typeface="Arial" panose="020B0604020202020204" pitchFamily="34" charset="0"/>
+                <a:cs typeface="Arial" panose="020B0604020202020204" pitchFamily="34" charset="0"/>
+              </a:rPr>
+              <a:t>115</a:t>
+            </a:r>
+            <a:endParaRPr lang="es-PE" sz="2400" dirty="0">
+              <a:solidFill>
+                <a:schemeClr val="tx2">
+                  <a:lumMod val="75000"/>
+                </a:schemeClr>
+              </a:solidFill>
+              <a:latin typeface="Arial" panose="020B0604020202020204" pitchFamily="34" charset="0"/>
+              <a:cs typeface="Arial" panose="020B0604020202020204" pitchFamily="34" charset="0"/>
+            </a:endParaRPr>
+          </a:p>
+        </p:txBody>
+      </p:sp>
+      <p:sp>
+        <p:nvSpPr>
+          <p:cNvPr id="16" name="CuadroTexto 15">
+            <a:extLst>
+              <a:ext uri="{FF2B5EF4-FFF2-40B4-BE49-F238E27FC236}">
+                <a16:creationId xmlns:a16="http://schemas.microsoft.com/office/drawing/2014/main" id="{9761ABBD-1BFD-4344-AA55-969639881CEE}"/>
+              </a:ext>
+            </a:extLst>
+          </p:cNvPr>
+          <p:cNvSpPr txBox="1"/>
+          <p:nvPr/>
+        </p:nvSpPr>
+        <p:spPr>
+          <a:xfrm>
+            <a:off x="692183" y="4010869"/>
+            <a:ext cx="2967363" cy="523220"/>
+          </a:xfrm>
+          <a:prstGeom prst="rect">
+            <a:avLst/>
+          </a:prstGeom>
+          <a:noFill/>
+        </p:spPr>
+        <p:txBody>
+          <a:bodyPr wrap="square" rtlCol="0">
+            <a:spAutoFit/>
+          </a:bodyPr>
+          <a:lstStyle/>
+          <a:p>
+            <a:r>
+              <a:rPr lang="es-MX" sz="2800" dirty="0">
+                <a:solidFill>
+                  <a:schemeClr val="tx1">
+                    <a:lumMod val="65000"/>
+                    <a:lumOff val="35000"/>
+                  </a:schemeClr>
+                </a:solidFill>
+              </a:rPr>
+              <a:t>Precio 3</a:t>
+            </a:r>
+            <a:endParaRPr lang="es-PE" sz="2800" dirty="0">
+              <a:solidFill>
+                <a:schemeClr val="tx1">
+                  <a:lumMod val="65000"/>
+                  <a:lumOff val="35000"/>
+                </a:schemeClr>
+              </a:solidFill>
+            </a:endParaRPr>
+          </a:p>
+        </p:txBody>
+      </p:sp>
+      <p:sp>
+        <p:nvSpPr>
+          <p:cNvPr id="17" name="CuadroTexto 16">
+            <a:extLst>
+              <a:ext uri="{FF2B5EF4-FFF2-40B4-BE49-F238E27FC236}">
+                <a16:creationId xmlns:a16="http://schemas.microsoft.com/office/drawing/2014/main" id="{FF1A8D8C-34DC-4CB0-B4F0-E7789AB8FBFF}"/>
+              </a:ext>
+            </a:extLst>
+          </p:cNvPr>
+          <p:cNvSpPr txBox="1"/>
+          <p:nvPr/>
+        </p:nvSpPr>
+        <p:spPr>
+          <a:xfrm>
+            <a:off x="3806137" y="4010869"/>
+            <a:ext cx="7416042" cy="461665"/>
+          </a:xfrm>
+          <a:prstGeom prst="rect">
+            <a:avLst/>
+          </a:prstGeom>
+          <a:solidFill>
+            <a:srgbClr val="F7F7F7"/>
+          </a:solidFill>
+          <a:ln>
+            <a:solidFill>
+              <a:schemeClr val="tx2"/>
+            </a:solidFill>
+          </a:ln>
+        </p:spPr>
+        <p:txBody>
+          <a:bodyPr wrap="square" rtlCol="0">
+            <a:spAutoFit/>
+          </a:bodyPr>
+          <a:lstStyle/>
+          <a:p>
+            <a:r>
+              <a:rPr lang="es-MX" sz="2400" dirty="0">
+                <a:solidFill>
+                  <a:schemeClr val="tx2">
+                    <a:lumMod val="75000"/>
+                  </a:schemeClr>
+                </a:solidFill>
+                <a:latin typeface="Arial" panose="020B0604020202020204" pitchFamily="34" charset="0"/>
+                <a:cs typeface="Arial" panose="020B0604020202020204" pitchFamily="34" charset="0"/>
+              </a:rPr>
+              <a:t>95</a:t>
+            </a:r>
+            <a:endParaRPr lang="es-PE" sz="2400" dirty="0">
+              <a:solidFill>
+                <a:schemeClr val="tx2">
+                  <a:lumMod val="75000"/>
+                </a:schemeClr>
+              </a:solidFill>
+              <a:latin typeface="Arial" panose="020B0604020202020204" pitchFamily="34" charset="0"/>
+              <a:cs typeface="Arial" panose="020B0604020202020204" pitchFamily="34" charset="0"/>
+            </a:endParaRPr>
+          </a:p>
+        </p:txBody>
+      </p:sp>
+      <p:sp>
+        <p:nvSpPr>
+          <p:cNvPr id="18" name="CuadroTexto 17">
+            <a:extLst>
+              <a:ext uri="{FF2B5EF4-FFF2-40B4-BE49-F238E27FC236}">
+                <a16:creationId xmlns:a16="http://schemas.microsoft.com/office/drawing/2014/main" id="{44F039E2-78D6-4656-8B6E-7B999139CA35}"/>
+              </a:ext>
+            </a:extLst>
+          </p:cNvPr>
+          <p:cNvSpPr txBox="1"/>
+          <p:nvPr/>
+        </p:nvSpPr>
+        <p:spPr>
+          <a:xfrm>
+            <a:off x="11600872" y="114223"/>
+            <a:ext cx="423708" cy="461665"/>
+          </a:xfrm>
+          <a:prstGeom prst="rect">
+            <a:avLst/>
+          </a:prstGeom>
+          <a:noFill/>
+          <a:ln>
+            <a:solidFill>
+              <a:schemeClr val="accent3"/>
+            </a:solidFill>
+          </a:ln>
+        </p:spPr>
+        <p:txBody>
+          <a:bodyPr wrap="square" rtlCol="0">
+            <a:spAutoFit/>
+          </a:bodyPr>
+          <a:lstStyle/>
+          <a:p>
+            <a:pPr algn="ctr"/>
+            <a:r>
+              <a:rPr lang="es-MX" sz="2400" dirty="0">
+                <a:solidFill>
+                  <a:schemeClr val="bg1">
+                    <a:lumMod val="95000"/>
+                  </a:schemeClr>
+                </a:solidFill>
+                <a:latin typeface="Lucida Console" panose="020B0609040504020204" pitchFamily="49" charset="0"/>
+              </a:rPr>
+              <a:t>X</a:t>
+            </a:r>
+            <a:endParaRPr lang="es-PE" sz="2400" dirty="0">
+              <a:solidFill>
+                <a:schemeClr val="bg1">
+                  <a:lumMod val="95000"/>
+                </a:schemeClr>
+              </a:solidFill>
+              <a:latin typeface="Lucida Console" panose="020B0609040504020204" pitchFamily="49" charset="0"/>
+            </a:endParaRPr>
+          </a:p>
+        </p:txBody>
+      </p:sp>
+      <p:sp>
+        <p:nvSpPr>
+          <p:cNvPr id="2" name="Triángulo isósceles 1">
+            <a:extLst>
+              <a:ext uri="{FF2B5EF4-FFF2-40B4-BE49-F238E27FC236}">
+                <a16:creationId xmlns:a16="http://schemas.microsoft.com/office/drawing/2014/main" id="{810A1C1B-A7B6-48DE-8D45-9238A2B0ED2A}"/>
+              </a:ext>
+            </a:extLst>
+          </p:cNvPr>
+          <p:cNvSpPr/>
+          <p:nvPr/>
+        </p:nvSpPr>
+        <p:spPr>
+          <a:xfrm rot="10800000">
+            <a:off x="10450943" y="1649073"/>
+            <a:ext cx="637202" cy="418644"/>
+          </a:xfrm>
+          <a:prstGeom prst="triangle">
+            <a:avLst/>
+          </a:prstGeom>
+          <a:solidFill>
+            <a:schemeClr val="accent4">
+              <a:lumMod val="50000"/>
+            </a:schemeClr>
+          </a:solidFill>
+        </p:spPr>
+        <p:style>
+          <a:lnRef idx="2">
+            <a:schemeClr val="accent1">
+              <a:shade val="50000"/>
+            </a:schemeClr>
+          </a:lnRef>
+          <a:fillRef idx="1">
+            <a:schemeClr val="accent1"/>
+          </a:fillRef>
+          <a:effectRef idx="0">
+            <a:schemeClr val="accent1"/>
+          </a:effectRef>
+          <a:fontRef idx="minor">
+            <a:schemeClr val="lt1"/>
+          </a:fontRef>
+        </p:style>
+        <p:txBody>
+          <a:bodyPr rtlCol="0" anchor="ctr"/>
+          <a:lstStyle/>
+          <a:p>
+            <a:pPr algn="ctr"/>
+            <a:endParaRPr lang="es-PE"/>
+          </a:p>
+        </p:txBody>
+      </p:sp>
+      <p:sp>
+        <p:nvSpPr>
+          <p:cNvPr id="19" name="Triángulo isósceles 18">
+            <a:extLst>
+              <a:ext uri="{FF2B5EF4-FFF2-40B4-BE49-F238E27FC236}">
+                <a16:creationId xmlns:a16="http://schemas.microsoft.com/office/drawing/2014/main" id="{828BC19E-0B02-47B2-BB35-9AE2CB4865F4}"/>
+              </a:ext>
+            </a:extLst>
+          </p:cNvPr>
+          <p:cNvSpPr/>
+          <p:nvPr/>
+        </p:nvSpPr>
+        <p:spPr>
+          <a:xfrm rot="10800000">
+            <a:off x="10450943" y="2252178"/>
+            <a:ext cx="637202" cy="418644"/>
+          </a:xfrm>
+          <a:prstGeom prst="triangle">
+            <a:avLst/>
+          </a:prstGeom>
+          <a:solidFill>
+            <a:schemeClr val="accent4">
+              <a:lumMod val="50000"/>
+            </a:schemeClr>
+          </a:solidFill>
+        </p:spPr>
+        <p:style>
+          <a:lnRef idx="2">
+            <a:schemeClr val="accent1">
+              <a:shade val="50000"/>
+            </a:schemeClr>
+          </a:lnRef>
+          <a:fillRef idx="1">
+            <a:schemeClr val="accent1"/>
+          </a:fillRef>
+          <a:effectRef idx="0">
+            <a:schemeClr val="accent1"/>
+          </a:effectRef>
+          <a:fontRef idx="minor">
+            <a:schemeClr val="lt1"/>
+          </a:fontRef>
+        </p:style>
+        <p:txBody>
+          <a:bodyPr rtlCol="0" anchor="ctr"/>
+          <a:lstStyle/>
+          <a:p>
+            <a:pPr algn="ctr"/>
+            <a:endParaRPr lang="es-PE"/>
+          </a:p>
+        </p:txBody>
+      </p:sp>
+      <p:sp>
+        <p:nvSpPr>
+          <p:cNvPr id="21" name="CuadroTexto 20">
+            <a:extLst>
+              <a:ext uri="{FF2B5EF4-FFF2-40B4-BE49-F238E27FC236}">
+                <a16:creationId xmlns:a16="http://schemas.microsoft.com/office/drawing/2014/main" id="{EA60F375-43DE-4692-8956-EA1793D94562}"/>
+              </a:ext>
+            </a:extLst>
+          </p:cNvPr>
+          <p:cNvSpPr txBox="1"/>
+          <p:nvPr/>
+        </p:nvSpPr>
+        <p:spPr>
+          <a:xfrm>
+            <a:off x="692183" y="943254"/>
+            <a:ext cx="2967363" cy="523220"/>
+          </a:xfrm>
+          <a:prstGeom prst="rect">
+            <a:avLst/>
+          </a:prstGeom>
+          <a:noFill/>
+        </p:spPr>
+        <p:txBody>
+          <a:bodyPr wrap="square" rtlCol="0">
+            <a:spAutoFit/>
+          </a:bodyPr>
+          <a:lstStyle/>
+          <a:p>
+            <a:r>
+              <a:rPr lang="es-MX" sz="2800" dirty="0">
+                <a:solidFill>
+                  <a:schemeClr val="tx1">
+                    <a:lumMod val="65000"/>
+                    <a:lumOff val="35000"/>
+                  </a:schemeClr>
+                </a:solidFill>
+              </a:rPr>
+              <a:t>Nombre de ruta</a:t>
+            </a:r>
+            <a:endParaRPr lang="es-PE" sz="2800" dirty="0">
+              <a:solidFill>
+                <a:schemeClr val="tx1">
+                  <a:lumMod val="65000"/>
+                  <a:lumOff val="35000"/>
+                </a:schemeClr>
+              </a:solidFill>
+            </a:endParaRPr>
+          </a:p>
+        </p:txBody>
+      </p:sp>
+      <p:sp>
+        <p:nvSpPr>
+          <p:cNvPr id="22" name="CuadroTexto 21">
+            <a:extLst>
+              <a:ext uri="{FF2B5EF4-FFF2-40B4-BE49-F238E27FC236}">
+                <a16:creationId xmlns:a16="http://schemas.microsoft.com/office/drawing/2014/main" id="{5089E0ED-55F2-4199-8097-2AF3AC5796F3}"/>
+              </a:ext>
+            </a:extLst>
+          </p:cNvPr>
+          <p:cNvSpPr txBox="1"/>
+          <p:nvPr/>
+        </p:nvSpPr>
+        <p:spPr>
+          <a:xfrm>
+            <a:off x="3806137" y="943254"/>
+            <a:ext cx="7416042" cy="461665"/>
+          </a:xfrm>
+          <a:prstGeom prst="rect">
+            <a:avLst/>
+          </a:prstGeom>
+          <a:solidFill>
+            <a:srgbClr val="F7F7F7"/>
+          </a:solidFill>
+          <a:ln>
+            <a:solidFill>
+              <a:schemeClr val="tx2"/>
+            </a:solidFill>
+          </a:ln>
+        </p:spPr>
+        <p:txBody>
+          <a:bodyPr wrap="square" rtlCol="0">
+            <a:spAutoFit/>
+          </a:bodyPr>
+          <a:lstStyle/>
+          <a:p>
+            <a:r>
+              <a:rPr lang="es-MX" sz="2400" dirty="0">
+                <a:solidFill>
+                  <a:schemeClr val="tx2">
+                    <a:lumMod val="75000"/>
+                  </a:schemeClr>
+                </a:solidFill>
+                <a:latin typeface="Arial" panose="020B0604020202020204" pitchFamily="34" charset="0"/>
+                <a:cs typeface="Arial" panose="020B0604020202020204" pitchFamily="34" charset="0"/>
+              </a:rPr>
+              <a:t>PLAZA NORTE - CHICLAYO</a:t>
+            </a:r>
+            <a:endParaRPr lang="es-PE" sz="2400" dirty="0">
+              <a:solidFill>
+                <a:schemeClr val="tx2">
+                  <a:lumMod val="75000"/>
+                </a:schemeClr>
+              </a:solidFill>
+              <a:latin typeface="Arial" panose="020B0604020202020204" pitchFamily="34" charset="0"/>
+              <a:cs typeface="Arial" panose="020B0604020202020204" pitchFamily="34" charset="0"/>
+            </a:endParaRPr>
+          </a:p>
+        </p:txBody>
+      </p:sp>
+      <p:sp>
+        <p:nvSpPr>
+          <p:cNvPr id="23" name="CuadroTexto 22">
+            <a:extLst>
+              <a:ext uri="{FF2B5EF4-FFF2-40B4-BE49-F238E27FC236}">
+                <a16:creationId xmlns:a16="http://schemas.microsoft.com/office/drawing/2014/main" id="{70074286-8AB3-F16D-B0A3-D9C084AF5D11}"/>
+              </a:ext>
+            </a:extLst>
+          </p:cNvPr>
+          <p:cNvSpPr txBox="1"/>
+          <p:nvPr/>
+        </p:nvSpPr>
+        <p:spPr>
+          <a:xfrm>
+            <a:off x="692183" y="4658048"/>
+            <a:ext cx="2967363" cy="523220"/>
+          </a:xfrm>
+          <a:prstGeom prst="rect">
+            <a:avLst/>
+          </a:prstGeom>
+          <a:noFill/>
+        </p:spPr>
+        <p:txBody>
+          <a:bodyPr wrap="square" rtlCol="0">
+            <a:spAutoFit/>
+          </a:bodyPr>
+          <a:lstStyle/>
+          <a:p>
+            <a:r>
+              <a:rPr lang="es-MX" sz="2800" dirty="0">
+                <a:solidFill>
+                  <a:schemeClr val="tx1">
+                    <a:lumMod val="65000"/>
+                    <a:lumOff val="35000"/>
+                  </a:schemeClr>
+                </a:solidFill>
+              </a:rPr>
+              <a:t>Precio 4</a:t>
+            </a:r>
+            <a:endParaRPr lang="es-PE" sz="2800" dirty="0">
+              <a:solidFill>
+                <a:schemeClr val="tx1">
+                  <a:lumMod val="65000"/>
+                  <a:lumOff val="35000"/>
+                </a:schemeClr>
+              </a:solidFill>
+            </a:endParaRPr>
+          </a:p>
+        </p:txBody>
+      </p:sp>
+      <p:sp>
+        <p:nvSpPr>
+          <p:cNvPr id="24" name="CuadroTexto 23">
+            <a:extLst>
+              <a:ext uri="{FF2B5EF4-FFF2-40B4-BE49-F238E27FC236}">
+                <a16:creationId xmlns:a16="http://schemas.microsoft.com/office/drawing/2014/main" id="{24B20321-99CA-CC33-2D03-56463A1CDEDA}"/>
+              </a:ext>
+            </a:extLst>
+          </p:cNvPr>
+          <p:cNvSpPr txBox="1"/>
+          <p:nvPr/>
+        </p:nvSpPr>
+        <p:spPr>
+          <a:xfrm>
+            <a:off x="3806137" y="4658048"/>
+            <a:ext cx="7416042" cy="461665"/>
+          </a:xfrm>
+          <a:prstGeom prst="rect">
+            <a:avLst/>
+          </a:prstGeom>
+          <a:solidFill>
+            <a:srgbClr val="F7F7F7"/>
+          </a:solidFill>
+          <a:ln>
+            <a:solidFill>
+              <a:schemeClr val="tx2"/>
+            </a:solidFill>
+          </a:ln>
+        </p:spPr>
+        <p:txBody>
+          <a:bodyPr wrap="square" rtlCol="0">
+            <a:spAutoFit/>
+          </a:bodyPr>
+          <a:lstStyle/>
+          <a:p>
+            <a:r>
+              <a:rPr lang="es-MX" sz="2400" dirty="0">
+                <a:solidFill>
+                  <a:schemeClr val="tx2">
+                    <a:lumMod val="75000"/>
+                  </a:schemeClr>
+                </a:solidFill>
+                <a:latin typeface="Arial" panose="020B0604020202020204" pitchFamily="34" charset="0"/>
+                <a:cs typeface="Arial" panose="020B0604020202020204" pitchFamily="34" charset="0"/>
+              </a:rPr>
+              <a:t>90</a:t>
+            </a:r>
+            <a:endParaRPr lang="es-PE" sz="2400" dirty="0">
+              <a:solidFill>
+                <a:schemeClr val="tx2">
+                  <a:lumMod val="75000"/>
+                </a:schemeClr>
+              </a:solidFill>
+              <a:latin typeface="Arial" panose="020B0604020202020204" pitchFamily="34" charset="0"/>
+              <a:cs typeface="Arial" panose="020B0604020202020204" pitchFamily="34" charset="0"/>
+            </a:endParaRPr>
+          </a:p>
+        </p:txBody>
+      </p:sp>
+    </p:spTree>
+    <p:extLst>
+      <p:ext uri="{BB962C8B-B14F-4D97-AF65-F5344CB8AC3E}">
+        <p14:creationId xmlns:p14="http://schemas.microsoft.com/office/powerpoint/2010/main" val="3379745719"/>
+      </p:ext>
+    </p:extLst>
+  </p:cSld>
+  <p:clrMapOvr>
+    <a:masterClrMapping/>
+  </p:clrMapOvr>
+</p:sld>
+</file>
+
+<file path=ppt/slides/slide4.xml><?xml version="1.0" encoding="utf-8"?>
+<p:sld xmlns:a="http://schemas.openxmlformats.org/drawingml/2006/main" xmlns:r="http://schemas.openxmlformats.org/officeDocument/2006/relationships" xmlns:p="http://schemas.openxmlformats.org/presentationml/2006/main">
+  <p:cSld>
+    <p:bg>
+      <p:bgPr>
+        <a:solidFill>
+          <a:schemeClr val="accent5">
+            <a:lumMod val="20000"/>
+            <a:lumOff val="80000"/>
+          </a:schemeClr>
+        </a:solidFill>
+        <a:effectLst/>
+      </p:bgPr>
+    </p:bg>
+    <p:spTree>
+      <p:nvGrpSpPr>
+        <p:cNvPr id="1" name=""/>
+        <p:cNvGrpSpPr/>
+        <p:nvPr/>
+      </p:nvGrpSpPr>
+      <p:grpSpPr>
+        <a:xfrm>
+          <a:off x="0" y="0"/>
+          <a:ext cx="0" cy="0"/>
+          <a:chOff x="0" y="0"/>
+          <a:chExt cx="0" cy="0"/>
+        </a:xfrm>
+      </p:grpSpPr>
+      <p:sp>
+        <p:nvSpPr>
+          <p:cNvPr id="4" name="Rectángulo 3">
+            <a:extLst>
+              <a:ext uri="{FF2B5EF4-FFF2-40B4-BE49-F238E27FC236}">
+                <a16:creationId xmlns:a16="http://schemas.microsoft.com/office/drawing/2014/main" id="{BFF0040E-4244-465E-94E7-8D6B7FC7AE4D}"/>
+              </a:ext>
+            </a:extLst>
+          </p:cNvPr>
+          <p:cNvSpPr/>
+          <p:nvPr/>
+        </p:nvSpPr>
+        <p:spPr>
+          <a:xfrm>
+            <a:off x="0" y="0"/>
+            <a:ext cx="12192000" cy="690113"/>
+          </a:xfrm>
+          <a:prstGeom prst="rect">
+            <a:avLst/>
+          </a:prstGeom>
+        </p:spPr>
+        <p:style>
+          <a:lnRef idx="2">
+            <a:schemeClr val="accent1">
+              <a:shade val="50000"/>
+            </a:schemeClr>
+          </a:lnRef>
+          <a:fillRef idx="1">
+            <a:schemeClr val="accent1"/>
+          </a:fillRef>
+          <a:effectRef idx="0">
+            <a:schemeClr val="accent1"/>
+          </a:effectRef>
+          <a:fontRef idx="minor">
+            <a:schemeClr val="lt1"/>
+          </a:fontRef>
+        </p:style>
+        <p:txBody>
+          <a:bodyPr lIns="288000" rtlCol="0" anchor="ctr"/>
+          <a:lstStyle/>
+          <a:p>
+            <a:r>
+              <a:rPr lang="es-MX" sz="3200" b="1" dirty="0">
+                <a:latin typeface="Arial" panose="020B0604020202020204" pitchFamily="34" charset="0"/>
+                <a:cs typeface="Arial" panose="020B0604020202020204" pitchFamily="34" charset="0"/>
+              </a:rPr>
               <a:t>ALTA DE UNA NUEVA CIUDAD</a:t>
             </a:r>
             <a:endParaRPr lang="es-PE" sz="3200" b="1" dirty="0">
@@ -5121,7 +6266,7 @@
 </p:sld>
 </file>
 
-<file path=ppt/slides/slide4.xml><?xml version="1.0" encoding="utf-8"?>
+<file path=ppt/slides/slide5.xml><?xml version="1.0" encoding="utf-8"?>
 <p:sld xmlns:a="http://schemas.openxmlformats.org/drawingml/2006/main" xmlns:r="http://schemas.openxmlformats.org/officeDocument/2006/relationships" xmlns:p="http://schemas.openxmlformats.org/presentationml/2006/main">
   <p:cSld>
     <p:bg>
@@ -6202,7 +7347,7 @@
 </p:sld>
 </file>
 
-<file path=ppt/slides/slide5.xml><?xml version="1.0" encoding="utf-8"?>
+<file path=ppt/slides/slide6.xml><?xml version="1.0" encoding="utf-8"?>
 <p:sld xmlns:a="http://schemas.openxmlformats.org/drawingml/2006/main" xmlns:r="http://schemas.openxmlformats.org/officeDocument/2006/relationships" xmlns:p="http://schemas.openxmlformats.org/presentationml/2006/main">
   <p:cSld>
     <p:bg>
@@ -7990,7 +9135,7 @@
 </p:sld>
 </file>
 
-<file path=ppt/slides/slide6.xml><?xml version="1.0" encoding="utf-8"?>
+<file path=ppt/slides/slide7.xml><?xml version="1.0" encoding="utf-8"?>
 <p:sld xmlns:a="http://schemas.openxmlformats.org/drawingml/2006/main" xmlns:r="http://schemas.openxmlformats.org/officeDocument/2006/relationships" xmlns:p="http://schemas.openxmlformats.org/presentationml/2006/main">
   <p:cSld>
     <p:spTree>
